--- a/THE IMPACT OF SMARTPHONES.pptx
+++ b/THE IMPACT OF SMARTPHONES.pptx
@@ -253,7 +253,7 @@
           <a:p>
             <a:fld id="{BE506557-E883-4969-B326-6D2CEDCD2C54}" type="datetimeFigureOut">
               <a:rPr lang="en-IN" smtClean="0"/>
-              <a:t>27-05-2025</a:t>
+              <a:t>28-05-2025</a:t>
             </a:fld>
             <a:endParaRPr lang="en-IN"/>
           </a:p>
@@ -540,7 +540,7 @@
           <a:p>
             <a:fld id="{BE506557-E883-4969-B326-6D2CEDCD2C54}" type="datetimeFigureOut">
               <a:rPr lang="en-IN" smtClean="0"/>
-              <a:t>27-05-2025</a:t>
+              <a:t>28-05-2025</a:t>
             </a:fld>
             <a:endParaRPr lang="en-IN"/>
           </a:p>
@@ -732,7 +732,7 @@
           <a:p>
             <a:fld id="{BE506557-E883-4969-B326-6D2CEDCD2C54}" type="datetimeFigureOut">
               <a:rPr lang="en-IN" smtClean="0"/>
-              <a:t>27-05-2025</a:t>
+              <a:t>28-05-2025</a:t>
             </a:fld>
             <a:endParaRPr lang="en-IN"/>
           </a:p>
@@ -993,7 +993,7 @@
           <a:p>
             <a:fld id="{BE506557-E883-4969-B326-6D2CEDCD2C54}" type="datetimeFigureOut">
               <a:rPr lang="en-IN" smtClean="0"/>
-              <a:t>27-05-2025</a:t>
+              <a:t>28-05-2025</a:t>
             </a:fld>
             <a:endParaRPr lang="en-IN"/>
           </a:p>
@@ -1417,7 +1417,7 @@
           <a:p>
             <a:fld id="{BE506557-E883-4969-B326-6D2CEDCD2C54}" type="datetimeFigureOut">
               <a:rPr lang="en-IN" smtClean="0"/>
-              <a:t>27-05-2025</a:t>
+              <a:t>28-05-2025</a:t>
             </a:fld>
             <a:endParaRPr lang="en-IN"/>
           </a:p>
@@ -1963,7 +1963,7 @@
           <a:p>
             <a:fld id="{BE506557-E883-4969-B326-6D2CEDCD2C54}" type="datetimeFigureOut">
               <a:rPr lang="en-IN" smtClean="0"/>
-              <a:t>27-05-2025</a:t>
+              <a:t>28-05-2025</a:t>
             </a:fld>
             <a:endParaRPr lang="en-IN"/>
           </a:p>
@@ -2803,7 +2803,7 @@
           <a:p>
             <a:fld id="{BE506557-E883-4969-B326-6D2CEDCD2C54}" type="datetimeFigureOut">
               <a:rPr lang="en-IN" smtClean="0"/>
-              <a:t>27-05-2025</a:t>
+              <a:t>28-05-2025</a:t>
             </a:fld>
             <a:endParaRPr lang="en-IN"/>
           </a:p>
@@ -2973,7 +2973,7 @@
           <a:p>
             <a:fld id="{BE506557-E883-4969-B326-6D2CEDCD2C54}" type="datetimeFigureOut">
               <a:rPr lang="en-IN" smtClean="0"/>
-              <a:t>27-05-2025</a:t>
+              <a:t>28-05-2025</a:t>
             </a:fld>
             <a:endParaRPr lang="en-IN"/>
           </a:p>
@@ -3157,7 +3157,7 @@
           <a:p>
             <a:fld id="{BE506557-E883-4969-B326-6D2CEDCD2C54}" type="datetimeFigureOut">
               <a:rPr lang="en-IN" smtClean="0"/>
-              <a:t>27-05-2025</a:t>
+              <a:t>28-05-2025</a:t>
             </a:fld>
             <a:endParaRPr lang="en-IN"/>
           </a:p>
@@ -3327,7 +3327,7 @@
           <a:p>
             <a:fld id="{BE506557-E883-4969-B326-6D2CEDCD2C54}" type="datetimeFigureOut">
               <a:rPr lang="en-IN" smtClean="0"/>
-              <a:t>27-05-2025</a:t>
+              <a:t>28-05-2025</a:t>
             </a:fld>
             <a:endParaRPr lang="en-IN"/>
           </a:p>
@@ -3575,7 +3575,7 @@
           <a:p>
             <a:fld id="{BE506557-E883-4969-B326-6D2CEDCD2C54}" type="datetimeFigureOut">
               <a:rPr lang="en-IN" smtClean="0"/>
-              <a:t>27-05-2025</a:t>
+              <a:t>28-05-2025</a:t>
             </a:fld>
             <a:endParaRPr lang="en-IN"/>
           </a:p>
@@ -3812,7 +3812,7 @@
           <a:p>
             <a:fld id="{BE506557-E883-4969-B326-6D2CEDCD2C54}" type="datetimeFigureOut">
               <a:rPr lang="en-IN" smtClean="0"/>
-              <a:t>27-05-2025</a:t>
+              <a:t>28-05-2025</a:t>
             </a:fld>
             <a:endParaRPr lang="en-IN"/>
           </a:p>
@@ -4185,7 +4185,7 @@
           <a:p>
             <a:fld id="{BE506557-E883-4969-B326-6D2CEDCD2C54}" type="datetimeFigureOut">
               <a:rPr lang="en-IN" smtClean="0"/>
-              <a:t>27-05-2025</a:t>
+              <a:t>28-05-2025</a:t>
             </a:fld>
             <a:endParaRPr lang="en-IN"/>
           </a:p>
@@ -4303,7 +4303,7 @@
           <a:p>
             <a:fld id="{BE506557-E883-4969-B326-6D2CEDCD2C54}" type="datetimeFigureOut">
               <a:rPr lang="en-IN" smtClean="0"/>
-              <a:t>27-05-2025</a:t>
+              <a:t>28-05-2025</a:t>
             </a:fld>
             <a:endParaRPr lang="en-IN"/>
           </a:p>
@@ -4398,7 +4398,7 @@
           <a:p>
             <a:fld id="{BE506557-E883-4969-B326-6D2CEDCD2C54}" type="datetimeFigureOut">
               <a:rPr lang="en-IN" smtClean="0"/>
-              <a:t>27-05-2025</a:t>
+              <a:t>28-05-2025</a:t>
             </a:fld>
             <a:endParaRPr lang="en-IN"/>
           </a:p>
@@ -4649,7 +4649,7 @@
           <a:p>
             <a:fld id="{BE506557-E883-4969-B326-6D2CEDCD2C54}" type="datetimeFigureOut">
               <a:rPr lang="en-IN" smtClean="0"/>
-              <a:t>27-05-2025</a:t>
+              <a:t>28-05-2025</a:t>
             </a:fld>
             <a:endParaRPr lang="en-IN"/>
           </a:p>
@@ -4936,7 +4936,7 @@
           <a:p>
             <a:fld id="{BE506557-E883-4969-B326-6D2CEDCD2C54}" type="datetimeFigureOut">
               <a:rPr lang="en-IN" smtClean="0"/>
-              <a:t>27-05-2025</a:t>
+              <a:t>28-05-2025</a:t>
             </a:fld>
             <a:endParaRPr lang="en-IN"/>
           </a:p>
@@ -5149,7 +5149,7 @@
           <a:p>
             <a:fld id="{BE506557-E883-4969-B326-6D2CEDCD2C54}" type="datetimeFigureOut">
               <a:rPr lang="en-IN" smtClean="0"/>
-              <a:t>27-05-2025</a:t>
+              <a:t>28-05-2025</a:t>
             </a:fld>
             <a:endParaRPr lang="en-IN"/>
           </a:p>
@@ -6574,8 +6574,8 @@
         </p:nvSpPr>
         <p:spPr bwMode="auto">
           <a:xfrm>
-            <a:off x="669851" y="2070734"/>
-            <a:ext cx="6087999" cy="3970318"/>
+            <a:off x="669851" y="1886068"/>
+            <a:ext cx="6087999" cy="4339650"/>
           </a:xfrm>
           <a:prstGeom prst="rect">
             <a:avLst/>
@@ -6690,7 +6690,7 @@
                 <a:effectLst/>
                 <a:latin typeface="Arial" panose="020B0604020202020204" pitchFamily="34" charset="0"/>
               </a:rPr>
-              <a:t>Increases anxiety and stress</a:t>
+              <a:t>Increases Anxiety and stress</a:t>
             </a:r>
           </a:p>
           <a:p>
@@ -6730,11 +6730,11 @@
                 <a:effectLst/>
                 <a:latin typeface="Arial" panose="020B0604020202020204" pitchFamily="34" charset="0"/>
               </a:rPr>
-              <a:t>Can cause smartphone addiction</a:t>
-            </a:r>
-          </a:p>
-          <a:p>
-            <a:pPr eaLnBrk="0" fontAlgn="base" hangingPunct="0">
+              <a:t>Can cause smartphone Habit</a:t>
+            </a:r>
+          </a:p>
+          <a:p>
+            <a:pPr marL="0" indent="0" eaLnBrk="0" fontAlgn="base" hangingPunct="0">
               <a:lnSpc>
                 <a:spcPct val="100000"/>
               </a:lnSpc>
@@ -6744,6 +6744,25 @@
               <a:spcAft>
                 <a:spcPct val="0"/>
               </a:spcAft>
+              <a:buNone/>
+            </a:pPr>
+            <a:endParaRPr lang="en-US" altLang="en-US" sz="2400" b="0" cap="none" dirty="0">
+              <a:effectLst/>
+              <a:latin typeface="Arial" panose="020B0604020202020204" pitchFamily="34" charset="0"/>
+            </a:endParaRPr>
+          </a:p>
+          <a:p>
+            <a:pPr marL="0" indent="0" eaLnBrk="0" fontAlgn="base" hangingPunct="0">
+              <a:lnSpc>
+                <a:spcPct val="100000"/>
+              </a:lnSpc>
+              <a:spcBef>
+                <a:spcPct val="0"/>
+              </a:spcBef>
+              <a:spcAft>
+                <a:spcPct val="0"/>
+              </a:spcAft>
+              <a:buNone/>
             </a:pPr>
             <a:endParaRPr lang="en-US" altLang="en-US" sz="2800" b="0" cap="none" dirty="0">
               <a:effectLst/>
@@ -7570,7 +7589,33 @@
                 <a:effectLst/>
                 <a:latin typeface="Arial" panose="020B0604020202020204" pitchFamily="34" charset="0"/>
               </a:rPr>
-              <a:t>: Alters social norms and behaviors.</a:t>
+              <a:t>: Alters </a:t>
+            </a:r>
+            <a:r>
+              <a:rPr kumimoji="0" lang="en-US" altLang="en-US" sz="2400" b="0" i="0" u="none" strike="noStrike" cap="none" normalizeH="0" baseline="0">
+                <a:ln>
+                  <a:noFill/>
+                </a:ln>
+                <a:solidFill>
+                  <a:schemeClr val="tx1"/>
+                </a:solidFill>
+                <a:effectLst/>
+                <a:latin typeface="Arial" panose="020B0604020202020204" pitchFamily="34" charset="0"/>
+              </a:rPr>
+              <a:t>social values and </a:t>
+            </a:r>
+            <a:r>
+              <a:rPr kumimoji="0" lang="en-US" altLang="en-US" sz="2400" b="0" i="0" u="none" strike="noStrike" cap="none" normalizeH="0" baseline="0" dirty="0">
+                <a:ln>
+                  <a:noFill/>
+                </a:ln>
+                <a:solidFill>
+                  <a:schemeClr val="tx1"/>
+                </a:solidFill>
+                <a:effectLst/>
+                <a:latin typeface="Arial" panose="020B0604020202020204" pitchFamily="34" charset="0"/>
+              </a:rPr>
+              <a:t>behaviors.</a:t>
             </a:r>
           </a:p>
         </p:txBody>
